--- a/Meeting-05/Bootstrap Lab 2.pptx
+++ b/Meeting-05/Bootstrap Lab 2.pptx
@@ -10,14 +10,16 @@
     <p:sldId id="258" r:id="rId4"/>
     <p:sldId id="257" r:id="rId5"/>
     <p:sldId id="263" r:id="rId6"/>
-    <p:sldId id="264" r:id="rId7"/>
-    <p:sldId id="260" r:id="rId8"/>
-    <p:sldId id="261" r:id="rId9"/>
-    <p:sldId id="262" r:id="rId10"/>
-    <p:sldId id="265" r:id="rId11"/>
-    <p:sldId id="268" r:id="rId12"/>
-    <p:sldId id="266" r:id="rId13"/>
-    <p:sldId id="267" r:id="rId14"/>
+    <p:sldId id="269" r:id="rId7"/>
+    <p:sldId id="264" r:id="rId8"/>
+    <p:sldId id="260" r:id="rId9"/>
+    <p:sldId id="261" r:id="rId10"/>
+    <p:sldId id="270" r:id="rId11"/>
+    <p:sldId id="262" r:id="rId12"/>
+    <p:sldId id="265" r:id="rId13"/>
+    <p:sldId id="268" r:id="rId14"/>
+    <p:sldId id="266" r:id="rId15"/>
+    <p:sldId id="267" r:id="rId16"/>
   </p:sldIdLst>
   <p:sldSz cx="9144000" cy="6858000" type="screen4x3"/>
   <p:notesSz cx="6858000" cy="9144000"/>
@@ -745,7 +747,7 @@
             <a:fld id="{A1C75A3A-FFC9-496D-9971-903CC23E4870}" type="datetimeFigureOut">
               <a:rPr lang="zh-TW" altLang="en-US" smtClean="0"/>
               <a:pPr/>
-              <a:t>2015/7/29</a:t>
+              <a:t>2015/7/31</a:t>
             </a:fld>
             <a:endParaRPr lang="zh-TW" altLang="en-US"/>
           </a:p>
@@ -943,7 +945,7 @@
             <a:fld id="{A1C75A3A-FFC9-496D-9971-903CC23E4870}" type="datetimeFigureOut">
               <a:rPr lang="zh-TW" altLang="en-US" smtClean="0"/>
               <a:pPr/>
-              <a:t>2015/7/29</a:t>
+              <a:t>2015/7/31</a:t>
             </a:fld>
             <a:endParaRPr lang="zh-TW" altLang="en-US"/>
           </a:p>
@@ -1130,7 +1132,7 @@
             <a:fld id="{A1C75A3A-FFC9-496D-9971-903CC23E4870}" type="datetimeFigureOut">
               <a:rPr lang="zh-TW" altLang="en-US" smtClean="0"/>
               <a:pPr/>
-              <a:t>2015/7/29</a:t>
+              <a:t>2015/7/31</a:t>
             </a:fld>
             <a:endParaRPr lang="zh-TW" altLang="en-US"/>
           </a:p>
@@ -1282,7 +1284,7 @@
             <a:fld id="{A1C75A3A-FFC9-496D-9971-903CC23E4870}" type="datetimeFigureOut">
               <a:rPr lang="zh-TW" altLang="en-US" smtClean="0"/>
               <a:pPr/>
-              <a:t>2015/7/29</a:t>
+              <a:t>2015/7/31</a:t>
             </a:fld>
             <a:endParaRPr lang="zh-TW" altLang="en-US"/>
           </a:p>
@@ -1539,7 +1541,7 @@
             <a:fld id="{A1C75A3A-FFC9-496D-9971-903CC23E4870}" type="datetimeFigureOut">
               <a:rPr lang="zh-TW" altLang="en-US" smtClean="0"/>
               <a:pPr/>
-              <a:t>2015/7/29</a:t>
+              <a:t>2015/7/31</a:t>
             </a:fld>
             <a:endParaRPr lang="zh-TW" altLang="en-US"/>
           </a:p>
@@ -1950,7 +1952,7 @@
             <a:fld id="{A1C75A3A-FFC9-496D-9971-903CC23E4870}" type="datetimeFigureOut">
               <a:rPr lang="zh-TW" altLang="en-US" smtClean="0"/>
               <a:pPr/>
-              <a:t>2015/7/29</a:t>
+              <a:t>2015/7/31</a:t>
             </a:fld>
             <a:endParaRPr lang="zh-TW" altLang="en-US"/>
           </a:p>
@@ -2398,7 +2400,7 @@
             <a:fld id="{A1C75A3A-FFC9-496D-9971-903CC23E4870}" type="datetimeFigureOut">
               <a:rPr lang="zh-TW" altLang="en-US" smtClean="0"/>
               <a:pPr/>
-              <a:t>2015/7/29</a:t>
+              <a:t>2015/7/31</a:t>
             </a:fld>
             <a:endParaRPr lang="zh-TW" altLang="en-US"/>
           </a:p>
@@ -2501,7 +2503,7 @@
             <a:fld id="{A1C75A3A-FFC9-496D-9971-903CC23E4870}" type="datetimeFigureOut">
               <a:rPr lang="zh-TW" altLang="en-US" smtClean="0"/>
               <a:pPr/>
-              <a:t>2015/7/29</a:t>
+              <a:t>2015/7/31</a:t>
             </a:fld>
             <a:endParaRPr lang="zh-TW" altLang="en-US"/>
           </a:p>
@@ -2624,7 +2626,7 @@
             <a:fld id="{A1C75A3A-FFC9-496D-9971-903CC23E4870}" type="datetimeFigureOut">
               <a:rPr lang="zh-TW" altLang="en-US" smtClean="0"/>
               <a:pPr/>
-              <a:t>2015/7/29</a:t>
+              <a:t>2015/7/31</a:t>
             </a:fld>
             <a:endParaRPr lang="zh-TW" altLang="en-US"/>
           </a:p>
@@ -2900,7 +2902,7 @@
             <a:fld id="{A1C75A3A-FFC9-496D-9971-903CC23E4870}" type="datetimeFigureOut">
               <a:rPr lang="zh-TW" altLang="en-US" smtClean="0"/>
               <a:pPr/>
-              <a:t>2015/7/29</a:t>
+              <a:t>2015/7/31</a:t>
             </a:fld>
             <a:endParaRPr lang="zh-TW" altLang="en-US"/>
           </a:p>
@@ -3107,7 +3109,7 @@
             <a:fld id="{A1C75A3A-FFC9-496D-9971-903CC23E4870}" type="datetimeFigureOut">
               <a:rPr lang="zh-TW" altLang="en-US" smtClean="0"/>
               <a:pPr/>
-              <a:t>2015/7/29</a:t>
+              <a:t>2015/7/31</a:t>
             </a:fld>
             <a:endParaRPr lang="zh-TW" altLang="en-US"/>
           </a:p>
@@ -4218,7 +4220,7 @@
             <a:fld id="{A1C75A3A-FFC9-496D-9971-903CC23E4870}" type="datetimeFigureOut">
               <a:rPr lang="zh-TW" altLang="en-US" smtClean="0"/>
               <a:pPr/>
-              <a:t>2015/7/29</a:t>
+              <a:t>2015/7/31</a:t>
             </a:fld>
             <a:endParaRPr lang="zh-TW" altLang="en-US"/>
           </a:p>
@@ -4652,15 +4654,7 @@
             </a:br>
             <a:r>
               <a:rPr lang="en-US" altLang="zh-TW" dirty="0" smtClean="0"/>
-              <a:t>Layout</a:t>
-            </a:r>
-            <a:r>
-              <a:rPr lang="en-US" altLang="zh-TW" dirty="0" smtClean="0"/>
-              <a:t>, </a:t>
-            </a:r>
-            <a:r>
-              <a:rPr lang="en-US" altLang="zh-TW" dirty="0" smtClean="0"/>
-              <a:t>Table, Form Basics</a:t>
+              <a:t>Layout, Table, Form Basics</a:t>
             </a:r>
             <a:endParaRPr lang="zh-TW" altLang="en-US" dirty="0"/>
           </a:p>
@@ -4723,12 +4717,12 @@
       </p:grpSpPr>
       <p:sp>
         <p:nvSpPr>
-          <p:cNvPr id="2" name="內容版面配置區 1"/>
-          <p:cNvSpPr>
-            <a:spLocks noGrp="1"/>
-          </p:cNvSpPr>
-          <p:nvPr>
-            <p:ph idx="1"/>
+          <p:cNvPr id="3" name="標題 2"/>
+          <p:cNvSpPr>
+            <a:spLocks noGrp="1"/>
+          </p:cNvSpPr>
+          <p:nvPr>
+            <p:ph type="title"/>
           </p:nvPr>
         </p:nvSpPr>
         <p:spPr/>
@@ -4737,123 +4731,77 @@
           <a:lstStyle/>
           <a:p>
             <a:r>
-              <a:rPr lang="en-US" altLang="zh-TW" dirty="0" smtClean="0"/>
-              <a:t>&lt;form class="form-horizontal</a:t>
-            </a:r>
-            <a:r>
-              <a:rPr lang="en-US" altLang="zh-TW" dirty="0" smtClean="0"/>
-              <a:t>"&gt;</a:t>
-            </a:r>
-          </a:p>
-          <a:p>
-            <a:pPr lvl="1"/>
-            <a:r>
-              <a:rPr lang="en-US" altLang="zh-TW" dirty="0" smtClean="0"/>
-              <a:t>form-inline</a:t>
-            </a:r>
-          </a:p>
-          <a:p>
-            <a:pPr lvl="1"/>
-            <a:r>
-              <a:rPr lang="en-US" altLang="zh-TW" dirty="0" smtClean="0"/>
-              <a:t>form-horizontal</a:t>
-            </a:r>
-          </a:p>
-          <a:p>
-            <a:endParaRPr lang="en-US" altLang="zh-TW" dirty="0" smtClean="0"/>
-          </a:p>
-          <a:p>
-            <a:r>
-              <a:rPr lang="en-US" altLang="zh-TW" dirty="0" smtClean="0"/>
-              <a:t>&lt;</a:t>
-            </a:r>
-            <a:r>
-              <a:rPr lang="en-US" altLang="zh-TW" dirty="0" smtClean="0"/>
-              <a:t>div class="form-group</a:t>
-            </a:r>
-            <a:r>
-              <a:rPr lang="en-US" altLang="zh-TW" dirty="0" smtClean="0"/>
-              <a:t>"&gt;</a:t>
-            </a:r>
-          </a:p>
-          <a:p>
-            <a:pPr lvl="1"/>
-            <a:r>
               <a:rPr lang="zh-TW" altLang="en-US" dirty="0" smtClean="0"/>
-              <a:t>有 </a:t>
-            </a:r>
-            <a:r>
-              <a:rPr lang="en-US" altLang="zh-TW" dirty="0" smtClean="0"/>
-              <a:t>.row </a:t>
-            </a:r>
-            <a:r>
-              <a:rPr lang="zh-TW" altLang="en-US" dirty="0" smtClean="0"/>
-              <a:t>的特性</a:t>
-            </a:r>
-            <a:r>
-              <a:rPr lang="en-US" altLang="zh-TW" dirty="0" smtClean="0"/>
-              <a:t>,</a:t>
-            </a:r>
-            <a:r>
-              <a:rPr lang="zh-TW" altLang="en-US" dirty="0" smtClean="0"/>
-              <a:t> </a:t>
-            </a:r>
-            <a:r>
-              <a:rPr lang="en-US" altLang="zh-TW" dirty="0" smtClean="0"/>
-              <a:t> </a:t>
-            </a:r>
-            <a:r>
-              <a:rPr lang="zh-TW" altLang="en-US" dirty="0" smtClean="0"/>
-              <a:t>但不用再加 </a:t>
-            </a:r>
-            <a:r>
-              <a:rPr lang="en-US" altLang="zh-TW" dirty="0" smtClean="0"/>
-              <a:t>row</a:t>
-            </a:r>
-          </a:p>
-          <a:p>
-            <a:pPr lvl="1"/>
-            <a:endParaRPr lang="en-US" altLang="zh-TW" dirty="0" smtClean="0"/>
-          </a:p>
-          <a:p>
-            <a:pPr>
-              <a:buNone/>
-            </a:pPr>
-            <a:r>
-              <a:rPr lang="zh-TW" altLang="en-US" dirty="0" smtClean="0"/>
-              <a:t>參考 </a:t>
-            </a:r>
-            <a:r>
-              <a:rPr lang="en-US" altLang="zh-TW" dirty="0" smtClean="0"/>
-              <a:t>http://getbootstrap.com/css/#forms</a:t>
-            </a:r>
-            <a:endParaRPr lang="en-US" altLang="zh-TW" dirty="0" smtClean="0"/>
-          </a:p>
-        </p:txBody>
-      </p:sp>
-      <p:sp>
-        <p:nvSpPr>
-          <p:cNvPr id="3" name="標題 2"/>
-          <p:cNvSpPr>
-            <a:spLocks noGrp="1"/>
-          </p:cNvSpPr>
-          <p:nvPr>
-            <p:ph type="title"/>
-          </p:nvPr>
-        </p:nvSpPr>
-        <p:spPr/>
-        <p:txBody>
-          <a:bodyPr/>
-          <a:lstStyle/>
-          <a:p>
-            <a:r>
-              <a:rPr lang="en-US" altLang="zh-TW" dirty="0" smtClean="0"/>
-              <a:t>Form</a:t>
+              <a:t>五種預設的顏色</a:t>
             </a:r>
             <a:endParaRPr lang="zh-TW" altLang="en-US" dirty="0"/>
           </a:p>
         </p:txBody>
       </p:sp>
+      <p:pic>
+        <p:nvPicPr>
+          <p:cNvPr id="3074" name="Picture 2"/>
+          <p:cNvPicPr>
+            <a:picLocks noChangeAspect="1" noChangeArrowheads="1"/>
+          </p:cNvPicPr>
+          <p:nvPr/>
+        </p:nvPicPr>
+        <p:blipFill>
+          <a:blip r:embed="rId2" cstate="print"/>
+          <a:srcRect/>
+          <a:stretch>
+            <a:fillRect/>
+          </a:stretch>
+        </p:blipFill>
+        <p:spPr bwMode="auto">
+          <a:xfrm>
+            <a:off x="1259632" y="1340768"/>
+            <a:ext cx="5867400" cy="800100"/>
+          </a:xfrm>
+          <a:prstGeom prst="rect">
+            <a:avLst/>
+          </a:prstGeom>
+          <a:noFill/>
+          <a:ln w="9525">
+            <a:noFill/>
+            <a:miter lim="800000"/>
+            <a:headEnd/>
+            <a:tailEnd/>
+          </a:ln>
+        </p:spPr>
+      </p:pic>
+      <p:pic>
+        <p:nvPicPr>
+          <p:cNvPr id="3075" name="Picture 3"/>
+          <p:cNvPicPr>
+            <a:picLocks noChangeAspect="1" noChangeArrowheads="1"/>
+          </p:cNvPicPr>
+          <p:nvPr/>
+        </p:nvPicPr>
+        <p:blipFill>
+          <a:blip r:embed="rId3" cstate="print"/>
+          <a:srcRect/>
+          <a:stretch>
+            <a:fillRect/>
+          </a:stretch>
+        </p:blipFill>
+        <p:spPr bwMode="auto">
+          <a:xfrm>
+            <a:off x="1259632" y="2276872"/>
+            <a:ext cx="6210300" cy="3911600"/>
+          </a:xfrm>
+          <a:prstGeom prst="rect">
+            <a:avLst/>
+          </a:prstGeom>
+          <a:noFill/>
+          <a:ln w="9525">
+            <a:noFill/>
+            <a:miter lim="800000"/>
+            <a:headEnd/>
+            <a:tailEnd/>
+          </a:ln>
+        </p:spPr>
+      </p:pic>
     </p:spTree>
   </p:cSld>
   <p:clrMapOvr>
@@ -4891,94 +4839,128 @@
         </p:nvSpPr>
         <p:spPr/>
         <p:txBody>
-          <a:bodyPr/>
+          <a:bodyPr>
+            <a:normAutofit fontScale="92500" lnSpcReduction="10000"/>
+          </a:bodyPr>
           <a:lstStyle/>
           <a:p>
             <a:r>
-              <a:rPr lang="zh-TW" altLang="en-US" dirty="0" smtClean="0"/>
-              <a:t>放大 </a:t>
-            </a:r>
-            <a:r>
-              <a:rPr lang="en-US" altLang="zh-TW" dirty="0" smtClean="0"/>
-              <a:t>Icon </a:t>
-            </a:r>
-            <a:r>
-              <a:rPr lang="zh-TW" altLang="en-US" dirty="0" smtClean="0"/>
-              <a:t>不會有鋸齒</a:t>
-            </a:r>
-            <a:endParaRPr lang="en-US" altLang="zh-TW" dirty="0" smtClean="0"/>
-          </a:p>
-          <a:p>
-            <a:r>
-              <a:rPr lang="zh-TW" altLang="en-US" dirty="0" smtClean="0"/>
-              <a:t>不用為了 </a:t>
-            </a:r>
-            <a:r>
-              <a:rPr lang="en-US" altLang="zh-TW" dirty="0" smtClean="0"/>
-              <a:t>Icon </a:t>
-            </a:r>
-            <a:r>
-              <a:rPr lang="zh-TW" altLang="en-US" dirty="0" smtClean="0"/>
-              <a:t>的大小做很多圖檔</a:t>
-            </a:r>
-            <a:endParaRPr lang="en-US" altLang="zh-TW" dirty="0" smtClean="0"/>
-          </a:p>
-          <a:p>
-            <a:r>
-              <a:rPr lang="zh-TW" altLang="en-US" dirty="0" smtClean="0"/>
-              <a:t>顏色可以任意調整</a:t>
-            </a:r>
-            <a:endParaRPr lang="en-US" altLang="zh-TW" dirty="0" smtClean="0"/>
-          </a:p>
-          <a:p>
+              <a:rPr lang="en-US" altLang="zh-TW" dirty="0" smtClean="0">
+                <a:hlinkClick r:id="rId2"/>
+              </a:rPr>
+              <a:t>http://getbootstrap.com/css/</a:t>
+            </a:r>
             <a:endParaRPr lang="en-US" altLang="zh-TW" dirty="0" smtClean="0"/>
           </a:p>
           <a:p>
             <a:pPr>
               <a:buNone/>
             </a:pPr>
-            <a:r>
-              <a:rPr lang="en-US" altLang="zh-TW" dirty="0" smtClean="0"/>
-              <a:t>Bootstrap</a:t>
-            </a:r>
-          </a:p>
-          <a:p>
+            <a:endParaRPr lang="en-US" altLang="zh-TW" dirty="0" smtClean="0"/>
+          </a:p>
+          <a:p>
+            <a:pPr>
+              <a:buNone/>
+            </a:pPr>
             <a:r>
               <a:rPr lang="zh-TW" altLang="en-US" dirty="0" smtClean="0"/>
-              <a:t>利用字型的原理進行</a:t>
-            </a:r>
-            <a:r>
-              <a:rPr lang="en-US" altLang="zh-TW" dirty="0" smtClean="0"/>
-              <a:t>,</a:t>
+              <a:t>只要加上</a:t>
+            </a:r>
+            <a:endParaRPr lang="en-US" altLang="zh-TW" dirty="0" smtClean="0"/>
+          </a:p>
+          <a:p>
+            <a:pPr>
+              <a:buNone/>
+            </a:pPr>
+            <a:r>
+              <a:rPr lang="en-US" altLang="zh-TW" dirty="0" smtClean="0"/>
+              <a:t>&lt;meta name="viewport" content="width=</a:t>
+            </a:r>
+            <a:r>
+              <a:rPr lang="en-US" altLang="zh-TW" dirty="0" smtClean="0">
+                <a:solidFill>
+                  <a:schemeClr val="bg2">
+                    <a:lumMod val="50000"/>
+                  </a:schemeClr>
+                </a:solidFill>
+              </a:rPr>
+              <a:t>device-width</a:t>
+            </a:r>
+            <a:r>
+              <a:rPr lang="en-US" altLang="zh-TW" dirty="0" smtClean="0"/>
+              <a:t>, initial-scale=</a:t>
+            </a:r>
+            <a:r>
+              <a:rPr lang="en-US" altLang="zh-TW" dirty="0" smtClean="0">
+                <a:solidFill>
+                  <a:schemeClr val="bg2">
+                    <a:lumMod val="50000"/>
+                  </a:schemeClr>
+                </a:solidFill>
+              </a:rPr>
+              <a:t>1</a:t>
+            </a:r>
+            <a:r>
+              <a:rPr lang="en-US" altLang="zh-TW" dirty="0" smtClean="0"/>
+              <a:t>"&gt;</a:t>
+            </a:r>
+          </a:p>
+          <a:p>
+            <a:pPr>
+              <a:buNone/>
+            </a:pPr>
+            <a:endParaRPr lang="en-US" altLang="zh-TW" dirty="0" smtClean="0">
+              <a:hlinkClick r:id="rId2"/>
+            </a:endParaRPr>
+          </a:p>
+          <a:p>
+            <a:pPr>
+              <a:buNone/>
+            </a:pPr>
+            <a:r>
+              <a:rPr lang="en-US" altLang="zh-TW" dirty="0" smtClean="0"/>
+              <a:t>Apple </a:t>
             </a:r>
             <a:r>
               <a:rPr lang="zh-TW" altLang="en-US" dirty="0" smtClean="0"/>
-              <a:t> </a:t>
-            </a:r>
-            <a:r>
-              <a:rPr lang="en-US" altLang="zh-TW" dirty="0" smtClean="0"/>
-              <a:t>Bootstrap </a:t>
+              <a:t>針對 </a:t>
+            </a:r>
+            <a:r>
+              <a:rPr lang="en-US" altLang="zh-TW" dirty="0" smtClean="0"/>
+              <a:t>Viewport </a:t>
             </a:r>
             <a:r>
               <a:rPr lang="zh-TW" altLang="en-US" dirty="0" smtClean="0"/>
-              <a:t>提供了一個方便的方式進行</a:t>
-            </a:r>
-            <a:endParaRPr lang="en-US" altLang="zh-TW" dirty="0" smtClean="0"/>
-          </a:p>
-          <a:p>
+              <a:t>的說明 </a:t>
+            </a:r>
+            <a:r>
+              <a:rPr lang="en-US" altLang="zh-TW" dirty="0" smtClean="0"/>
+              <a:t>(</a:t>
+            </a:r>
             <a:r>
               <a:rPr lang="zh-TW" altLang="en-US" dirty="0" smtClean="0"/>
-              <a:t>提供一組免費的 </a:t>
-            </a:r>
-            <a:r>
-              <a:rPr lang="en-US" altLang="zh-TW" dirty="0" smtClean="0"/>
-              <a:t>icon </a:t>
-            </a:r>
-            <a:r>
-              <a:rPr lang="zh-TW" altLang="en-US" smtClean="0"/>
-              <a:t>字型</a:t>
-            </a:r>
-            <a:endParaRPr lang="en-US" altLang="zh-TW" dirty="0" smtClean="0"/>
+              <a:t>很詳細很長</a:t>
+            </a:r>
+            <a:r>
+              <a:rPr lang="en-US" altLang="zh-TW" dirty="0" smtClean="0"/>
+              <a:t>)</a:t>
+            </a:r>
+            <a:endParaRPr lang="en-US" altLang="zh-TW" dirty="0" smtClean="0">
+              <a:hlinkClick r:id="rId2"/>
+            </a:endParaRPr>
+          </a:p>
+          <a:p>
+            <a:r>
+              <a:rPr lang="en-US" altLang="zh-TW" dirty="0" smtClean="0">
+                <a:hlinkClick r:id="rId2"/>
+              </a:rPr>
+              <a:t>https://developer.apple.com/library/safari/documentation/AppleApplications/Reference/SafariWebContent/UsingtheViewport/UsingtheViewport.html</a:t>
+            </a:r>
+          </a:p>
+          <a:p>
+            <a:endParaRPr lang="zh-TW" altLang="en-US" dirty="0" smtClean="0">
+              <a:hlinkClick r:id="rId2"/>
+            </a:endParaRPr>
           </a:p>
         </p:txBody>
       </p:sp>
@@ -4998,12 +4980,8 @@
           <a:lstStyle/>
           <a:p>
             <a:r>
-              <a:rPr lang="zh-TW" altLang="en-US" dirty="0" smtClean="0"/>
-              <a:t>使用向量 </a:t>
-            </a:r>
-            <a:r>
-              <a:rPr lang="en-US" altLang="zh-TW" dirty="0" smtClean="0"/>
-              <a:t>Icon</a:t>
+              <a:rPr lang="en-US" altLang="zh-TW" dirty="0" smtClean="0"/>
+              <a:t>Viewport</a:t>
             </a:r>
             <a:endParaRPr lang="zh-TW" altLang="en-US" dirty="0"/>
           </a:p>
@@ -5018,6 +4996,306 @@
 </file>
 
 <file path=ppt/slides/slide12.xml><?xml version="1.0" encoding="utf-8"?>
+<p:sld xmlns:a="http://schemas.openxmlformats.org/drawingml/2006/main" xmlns:r="http://schemas.openxmlformats.org/officeDocument/2006/relationships" xmlns:p="http://schemas.openxmlformats.org/presentationml/2006/main">
+  <p:cSld>
+    <p:spTree>
+      <p:nvGrpSpPr>
+        <p:cNvPr id="1" name=""/>
+        <p:cNvGrpSpPr/>
+        <p:nvPr/>
+      </p:nvGrpSpPr>
+      <p:grpSpPr>
+        <a:xfrm>
+          <a:off x="0" y="0"/>
+          <a:ext cx="0" cy="0"/>
+          <a:chOff x="0" y="0"/>
+          <a:chExt cx="0" cy="0"/>
+        </a:xfrm>
+      </p:grpSpPr>
+      <p:sp>
+        <p:nvSpPr>
+          <p:cNvPr id="2" name="內容版面配置區 1"/>
+          <p:cNvSpPr>
+            <a:spLocks noGrp="1"/>
+          </p:cNvSpPr>
+          <p:nvPr>
+            <p:ph idx="1"/>
+          </p:nvPr>
+        </p:nvSpPr>
+        <p:spPr/>
+        <p:txBody>
+          <a:bodyPr/>
+          <a:lstStyle/>
+          <a:p>
+            <a:r>
+              <a:rPr lang="en-US" altLang="zh-TW" dirty="0" smtClean="0"/>
+              <a:t>&lt;form class="form-horizontal"&gt;</a:t>
+            </a:r>
+          </a:p>
+          <a:p>
+            <a:pPr lvl="1"/>
+            <a:r>
+              <a:rPr lang="en-US" altLang="zh-TW" dirty="0" smtClean="0"/>
+              <a:t>form-inline</a:t>
+            </a:r>
+          </a:p>
+          <a:p>
+            <a:pPr lvl="1"/>
+            <a:r>
+              <a:rPr lang="en-US" altLang="zh-TW" dirty="0" smtClean="0"/>
+              <a:t>form-horizontal</a:t>
+            </a:r>
+          </a:p>
+          <a:p>
+            <a:endParaRPr lang="en-US" altLang="zh-TW" dirty="0" smtClean="0"/>
+          </a:p>
+          <a:p>
+            <a:r>
+              <a:rPr lang="en-US" altLang="zh-TW" dirty="0" smtClean="0"/>
+              <a:t>&lt;div class="form-group"&gt;</a:t>
+            </a:r>
+          </a:p>
+          <a:p>
+            <a:pPr lvl="1"/>
+            <a:r>
+              <a:rPr lang="zh-TW" altLang="en-US" dirty="0" smtClean="0"/>
+              <a:t>有 </a:t>
+            </a:r>
+            <a:r>
+              <a:rPr lang="en-US" altLang="zh-TW" dirty="0" smtClean="0"/>
+              <a:t>.row </a:t>
+            </a:r>
+            <a:r>
+              <a:rPr lang="zh-TW" altLang="en-US" dirty="0" smtClean="0"/>
+              <a:t>的特性</a:t>
+            </a:r>
+            <a:r>
+              <a:rPr lang="en-US" altLang="zh-TW" dirty="0" smtClean="0"/>
+              <a:t>,</a:t>
+            </a:r>
+            <a:r>
+              <a:rPr lang="zh-TW" altLang="en-US" dirty="0" smtClean="0"/>
+              <a:t> </a:t>
+            </a:r>
+            <a:r>
+              <a:rPr lang="en-US" altLang="zh-TW" dirty="0" smtClean="0"/>
+              <a:t> </a:t>
+            </a:r>
+            <a:r>
+              <a:rPr lang="zh-TW" altLang="en-US" dirty="0" smtClean="0"/>
+              <a:t>但不用再加 </a:t>
+            </a:r>
+            <a:r>
+              <a:rPr lang="en-US" altLang="zh-TW" dirty="0" smtClean="0"/>
+              <a:t>row</a:t>
+            </a:r>
+          </a:p>
+          <a:p>
+            <a:pPr lvl="1"/>
+            <a:endParaRPr lang="en-US" altLang="zh-TW" dirty="0" smtClean="0"/>
+          </a:p>
+          <a:p>
+            <a:pPr>
+              <a:buNone/>
+            </a:pPr>
+            <a:r>
+              <a:rPr lang="zh-TW" altLang="en-US" dirty="0" smtClean="0"/>
+              <a:t>參考 </a:t>
+            </a:r>
+            <a:r>
+              <a:rPr lang="en-US" altLang="zh-TW" dirty="0" smtClean="0"/>
+              <a:t>http://getbootstrap.com/css/#forms</a:t>
+            </a:r>
+          </a:p>
+        </p:txBody>
+      </p:sp>
+      <p:sp>
+        <p:nvSpPr>
+          <p:cNvPr id="3" name="標題 2"/>
+          <p:cNvSpPr>
+            <a:spLocks noGrp="1"/>
+          </p:cNvSpPr>
+          <p:nvPr>
+            <p:ph type="title"/>
+          </p:nvPr>
+        </p:nvSpPr>
+        <p:spPr/>
+        <p:txBody>
+          <a:bodyPr/>
+          <a:lstStyle/>
+          <a:p>
+            <a:r>
+              <a:rPr lang="en-US" altLang="zh-TW" dirty="0" smtClean="0"/>
+              <a:t>Form</a:t>
+            </a:r>
+            <a:endParaRPr lang="zh-TW" altLang="en-US" dirty="0"/>
+          </a:p>
+        </p:txBody>
+      </p:sp>
+    </p:spTree>
+  </p:cSld>
+  <p:clrMapOvr>
+    <a:masterClrMapping/>
+  </p:clrMapOvr>
+</p:sld>
+</file>
+
+<file path=ppt/slides/slide13.xml><?xml version="1.0" encoding="utf-8"?>
+<p:sld xmlns:a="http://schemas.openxmlformats.org/drawingml/2006/main" xmlns:r="http://schemas.openxmlformats.org/officeDocument/2006/relationships" xmlns:p="http://schemas.openxmlformats.org/presentationml/2006/main">
+  <p:cSld>
+    <p:spTree>
+      <p:nvGrpSpPr>
+        <p:cNvPr id="1" name=""/>
+        <p:cNvGrpSpPr/>
+        <p:nvPr/>
+      </p:nvGrpSpPr>
+      <p:grpSpPr>
+        <a:xfrm>
+          <a:off x="0" y="0"/>
+          <a:ext cx="0" cy="0"/>
+          <a:chOff x="0" y="0"/>
+          <a:chExt cx="0" cy="0"/>
+        </a:xfrm>
+      </p:grpSpPr>
+      <p:sp>
+        <p:nvSpPr>
+          <p:cNvPr id="2" name="內容版面配置區 1"/>
+          <p:cNvSpPr>
+            <a:spLocks noGrp="1"/>
+          </p:cNvSpPr>
+          <p:nvPr>
+            <p:ph idx="1"/>
+          </p:nvPr>
+        </p:nvSpPr>
+        <p:spPr/>
+        <p:txBody>
+          <a:bodyPr/>
+          <a:lstStyle/>
+          <a:p>
+            <a:r>
+              <a:rPr lang="zh-TW" altLang="en-US" dirty="0" smtClean="0"/>
+              <a:t>放大 </a:t>
+            </a:r>
+            <a:r>
+              <a:rPr lang="en-US" altLang="zh-TW" dirty="0" smtClean="0"/>
+              <a:t>Icon </a:t>
+            </a:r>
+            <a:r>
+              <a:rPr lang="zh-TW" altLang="en-US" dirty="0" smtClean="0"/>
+              <a:t>不會有鋸齒</a:t>
+            </a:r>
+            <a:endParaRPr lang="en-US" altLang="zh-TW" dirty="0" smtClean="0"/>
+          </a:p>
+          <a:p>
+            <a:r>
+              <a:rPr lang="zh-TW" altLang="en-US" dirty="0" smtClean="0"/>
+              <a:t>不用為了 </a:t>
+            </a:r>
+            <a:r>
+              <a:rPr lang="en-US" altLang="zh-TW" dirty="0" smtClean="0"/>
+              <a:t>Icon </a:t>
+            </a:r>
+            <a:r>
+              <a:rPr lang="zh-TW" altLang="en-US" dirty="0" smtClean="0"/>
+              <a:t>的大小做很多圖檔</a:t>
+            </a:r>
+            <a:endParaRPr lang="en-US" altLang="zh-TW" dirty="0" smtClean="0"/>
+          </a:p>
+          <a:p>
+            <a:r>
+              <a:rPr lang="zh-TW" altLang="en-US" dirty="0" smtClean="0"/>
+              <a:t>顏色可以任意調整</a:t>
+            </a:r>
+            <a:endParaRPr lang="en-US" altLang="zh-TW" dirty="0" smtClean="0"/>
+          </a:p>
+          <a:p>
+            <a:endParaRPr lang="en-US" altLang="zh-TW" dirty="0" smtClean="0"/>
+          </a:p>
+          <a:p>
+            <a:pPr>
+              <a:buNone/>
+            </a:pPr>
+            <a:r>
+              <a:rPr lang="en-US" altLang="zh-TW" dirty="0" smtClean="0"/>
+              <a:t>Bootstrap</a:t>
+            </a:r>
+          </a:p>
+          <a:p>
+            <a:r>
+              <a:rPr lang="zh-TW" altLang="en-US" dirty="0" smtClean="0"/>
+              <a:t>利用字型的原理進行</a:t>
+            </a:r>
+            <a:r>
+              <a:rPr lang="en-US" altLang="zh-TW" dirty="0" smtClean="0"/>
+              <a:t>,</a:t>
+            </a:r>
+            <a:r>
+              <a:rPr lang="zh-TW" altLang="en-US" dirty="0" smtClean="0"/>
+              <a:t> </a:t>
+            </a:r>
+            <a:r>
+              <a:rPr lang="en-US" altLang="zh-TW" dirty="0" smtClean="0"/>
+              <a:t>Bootstrap </a:t>
+            </a:r>
+            <a:r>
+              <a:rPr lang="zh-TW" altLang="en-US" dirty="0" smtClean="0"/>
+              <a:t>提供了一個方便的方式進行</a:t>
+            </a:r>
+            <a:endParaRPr lang="en-US" altLang="zh-TW" dirty="0" smtClean="0"/>
+          </a:p>
+          <a:p>
+            <a:r>
+              <a:rPr lang="zh-TW" altLang="en-US" dirty="0" smtClean="0"/>
+              <a:t>提供一組免費的 </a:t>
+            </a:r>
+            <a:r>
+              <a:rPr lang="en-US" altLang="zh-TW" dirty="0" smtClean="0"/>
+              <a:t>icon </a:t>
+            </a:r>
+            <a:r>
+              <a:rPr lang="zh-TW" altLang="en-US" smtClean="0"/>
+              <a:t>字型</a:t>
+            </a:r>
+            <a:endParaRPr lang="en-US" altLang="zh-TW" dirty="0" smtClean="0"/>
+          </a:p>
+        </p:txBody>
+      </p:sp>
+      <p:sp>
+        <p:nvSpPr>
+          <p:cNvPr id="3" name="標題 2"/>
+          <p:cNvSpPr>
+            <a:spLocks noGrp="1"/>
+          </p:cNvSpPr>
+          <p:nvPr>
+            <p:ph type="title"/>
+          </p:nvPr>
+        </p:nvSpPr>
+        <p:spPr/>
+        <p:txBody>
+          <a:bodyPr/>
+          <a:lstStyle/>
+          <a:p>
+            <a:r>
+              <a:rPr lang="zh-TW" altLang="en-US" dirty="0" smtClean="0"/>
+              <a:t>使用向量 </a:t>
+            </a:r>
+            <a:r>
+              <a:rPr lang="en-US" altLang="zh-TW" dirty="0" smtClean="0"/>
+              <a:t>Icon</a:t>
+            </a:r>
+            <a:endParaRPr lang="zh-TW" altLang="en-US" dirty="0"/>
+          </a:p>
+        </p:txBody>
+      </p:sp>
+    </p:spTree>
+  </p:cSld>
+  <p:clrMapOvr>
+    <a:masterClrMapping/>
+  </p:clrMapOvr>
+</p:sld>
+</file>
+
+<file path=ppt/slides/slide14.xml><?xml version="1.0" encoding="utf-8"?>
 <p:sld xmlns:a="http://schemas.openxmlformats.org/drawingml/2006/main" xmlns:r="http://schemas.openxmlformats.org/officeDocument/2006/relationships" xmlns:p="http://schemas.openxmlformats.org/presentationml/2006/main">
   <p:cSld>
     <p:spTree>
@@ -5161,7 +5439,7 @@
 </p:sld>
 </file>
 
-<file path=ppt/slides/slide13.xml><?xml version="1.0" encoding="utf-8"?>
+<file path=ppt/slides/slide15.xml><?xml version="1.0" encoding="utf-8"?>
 <p:sld xmlns:a="http://schemas.openxmlformats.org/drawingml/2006/main" xmlns:r="http://schemas.openxmlformats.org/officeDocument/2006/relationships" xmlns:p="http://schemas.openxmlformats.org/presentationml/2006/main">
   <p:cSld>
     <p:spTree>
@@ -5293,11 +5571,7 @@
             </a:r>
             <a:r>
               <a:rPr lang="en-US" altLang="zh-TW" dirty="0" smtClean="0"/>
-              <a:t> install </a:t>
-            </a:r>
-            <a:r>
-              <a:rPr lang="en-US" altLang="zh-TW" dirty="0" smtClean="0"/>
-              <a:t>live-server</a:t>
+              <a:t> install live-server</a:t>
             </a:r>
           </a:p>
           <a:p>
@@ -5630,11 +5904,7 @@
           <a:p>
             <a:r>
               <a:rPr lang="en-US" altLang="zh-TW" dirty="0" smtClean="0"/>
-              <a:t>Install Bootstrap </a:t>
-            </a:r>
-            <a:r>
-              <a:rPr lang="en-US" altLang="zh-TW" dirty="0" smtClean="0"/>
-              <a:t>3 </a:t>
+              <a:t>Install Bootstrap 3 </a:t>
             </a:r>
             <a:endParaRPr lang="zh-TW" altLang="en-US" dirty="0"/>
           </a:p>
@@ -5775,15 +6045,7 @@
             </a:r>
             <a:r>
               <a:rPr lang="zh-TW" altLang="en-US" dirty="0" smtClean="0"/>
-              <a:t>沒有</a:t>
-            </a:r>
-            <a:r>
-              <a:rPr lang="zh-TW" altLang="en-US" dirty="0" smtClean="0"/>
-              <a:t>寛</a:t>
-            </a:r>
-            <a:r>
-              <a:rPr lang="zh-TW" altLang="en-US" dirty="0" smtClean="0"/>
-              <a:t>度最大值</a:t>
+              <a:t>沒有寛度最大值</a:t>
             </a:r>
             <a:endParaRPr lang="en-US" altLang="zh-TW" dirty="0" smtClean="0"/>
           </a:p>
@@ -5845,12 +6107,12 @@
       </p:grpSpPr>
       <p:sp>
         <p:nvSpPr>
-          <p:cNvPr id="2" name="內容版面配置區 1"/>
-          <p:cNvSpPr>
-            <a:spLocks noGrp="1"/>
-          </p:cNvSpPr>
-          <p:nvPr>
-            <p:ph idx="1"/>
+          <p:cNvPr id="3" name="標題 2"/>
+          <p:cNvSpPr>
+            <a:spLocks noGrp="1"/>
+          </p:cNvSpPr>
+          <p:nvPr>
+            <p:ph type="title"/>
           </p:nvPr>
         </p:nvSpPr>
         <p:spPr/>
@@ -5858,176 +6120,46 @@
           <a:bodyPr/>
           <a:lstStyle/>
           <a:p>
-            <a:pPr>
-              <a:buNone/>
-            </a:pPr>
-            <a:r>
-              <a:rPr lang="en-US" altLang="zh-TW" dirty="0" smtClean="0"/>
-              <a:t>&lt;div class=“</a:t>
-            </a:r>
-            <a:r>
-              <a:rPr lang="en-US" altLang="zh-TW" b="1" dirty="0" smtClean="0">
-                <a:solidFill>
-                  <a:schemeClr val="bg2">
-                    <a:lumMod val="50000"/>
-                  </a:schemeClr>
-                </a:solidFill>
-              </a:rPr>
-              <a:t>row</a:t>
-            </a:r>
-            <a:r>
-              <a:rPr lang="en-US" altLang="zh-TW" dirty="0" smtClean="0"/>
-              <a:t>"&gt;</a:t>
-            </a:r>
-          </a:p>
-          <a:p>
-            <a:pPr>
-              <a:buNone/>
-            </a:pPr>
-            <a:r>
-              <a:rPr lang="en-US" altLang="zh-TW" dirty="0" smtClean="0"/>
-              <a:t>	&lt;div </a:t>
-            </a:r>
-            <a:r>
-              <a:rPr lang="en-US" altLang="zh-TW" dirty="0" smtClean="0"/>
-              <a:t>class</a:t>
-            </a:r>
-            <a:r>
-              <a:rPr lang="en-US" altLang="zh-TW" dirty="0" smtClean="0"/>
-              <a:t>=“</a:t>
-            </a:r>
-            <a:r>
-              <a:rPr lang="en-US" altLang="zh-TW" b="1" dirty="0" smtClean="0">
-                <a:solidFill>
-                  <a:schemeClr val="bg2">
-                    <a:lumMod val="50000"/>
-                  </a:schemeClr>
-                </a:solidFill>
-              </a:rPr>
-              <a:t>col-sm-4</a:t>
-            </a:r>
-            <a:r>
-              <a:rPr lang="en-US" altLang="zh-TW" dirty="0" smtClean="0"/>
-              <a:t>"&gt;&lt;/div&gt;</a:t>
-            </a:r>
-          </a:p>
-          <a:p>
-            <a:pPr>
-              <a:buNone/>
-            </a:pPr>
-            <a:r>
-              <a:rPr lang="en-US" altLang="zh-TW" dirty="0" smtClean="0"/>
-              <a:t>	</a:t>
-            </a:r>
-            <a:r>
-              <a:rPr lang="en-US" altLang="zh-TW" dirty="0" smtClean="0"/>
-              <a:t>&lt;</a:t>
-            </a:r>
-            <a:r>
-              <a:rPr lang="en-US" altLang="zh-TW" dirty="0" smtClean="0"/>
-              <a:t>div class=“</a:t>
-            </a:r>
-            <a:r>
-              <a:rPr lang="en-US" altLang="zh-TW" b="1" dirty="0" smtClean="0">
-                <a:solidFill>
-                  <a:schemeClr val="bg2">
-                    <a:lumMod val="50000"/>
-                  </a:schemeClr>
-                </a:solidFill>
-              </a:rPr>
-              <a:t>col-sm-4</a:t>
-            </a:r>
-            <a:r>
-              <a:rPr lang="en-US" altLang="zh-TW" dirty="0" smtClean="0"/>
-              <a:t>"&gt;&lt;/</a:t>
-            </a:r>
-            <a:r>
-              <a:rPr lang="en-US" altLang="zh-TW" dirty="0" smtClean="0"/>
-              <a:t>div&gt;</a:t>
-            </a:r>
-            <a:endParaRPr lang="en-US" altLang="zh-TW" dirty="0" smtClean="0"/>
-          </a:p>
-          <a:p>
-            <a:pPr>
-              <a:buNone/>
-            </a:pPr>
-            <a:r>
-              <a:rPr lang="en-US" altLang="zh-TW" dirty="0" smtClean="0"/>
-              <a:t>	&lt;</a:t>
-            </a:r>
-            <a:r>
-              <a:rPr lang="en-US" altLang="zh-TW" dirty="0" smtClean="0"/>
-              <a:t>div class=“</a:t>
-            </a:r>
-            <a:r>
-              <a:rPr lang="en-US" altLang="zh-TW" b="1" dirty="0" smtClean="0">
-                <a:solidFill>
-                  <a:schemeClr val="bg2">
-                    <a:lumMod val="50000"/>
-                  </a:schemeClr>
-                </a:solidFill>
-              </a:rPr>
-              <a:t>col-sm-4</a:t>
-            </a:r>
-            <a:r>
-              <a:rPr lang="en-US" altLang="zh-TW" dirty="0" smtClean="0"/>
-              <a:t>"&gt;&lt;/</a:t>
-            </a:r>
-            <a:r>
-              <a:rPr lang="en-US" altLang="zh-TW" dirty="0" smtClean="0"/>
-              <a:t>div&gt;</a:t>
-            </a:r>
-            <a:endParaRPr lang="en-US" altLang="zh-TW" dirty="0" smtClean="0"/>
-          </a:p>
-          <a:p>
-            <a:pPr>
-              <a:buNone/>
-            </a:pPr>
-            <a:r>
-              <a:rPr lang="en-US" altLang="zh-TW" dirty="0" smtClean="0"/>
-              <a:t>&lt;/div&gt;</a:t>
-            </a:r>
-            <a:endParaRPr lang="en-US" altLang="zh-TW" dirty="0" smtClean="0"/>
-          </a:p>
-          <a:p>
-            <a:pPr>
-              <a:buNone/>
-            </a:pPr>
-            <a:endParaRPr lang="en-US" altLang="zh-TW" dirty="0" smtClean="0"/>
-          </a:p>
-        </p:txBody>
-      </p:sp>
-      <p:sp>
-        <p:nvSpPr>
-          <p:cNvPr id="3" name="標題 2"/>
-          <p:cNvSpPr>
-            <a:spLocks noGrp="1"/>
-          </p:cNvSpPr>
-          <p:nvPr>
-            <p:ph type="title"/>
-          </p:nvPr>
-        </p:nvSpPr>
-        <p:spPr/>
-        <p:txBody>
-          <a:bodyPr/>
-          <a:lstStyle/>
-          <a:p>
-            <a:r>
-              <a:rPr lang="en-US" altLang="zh-TW" dirty="0" smtClean="0"/>
-              <a:t>Bootstrap 12 </a:t>
-            </a:r>
-            <a:r>
-              <a:rPr lang="zh-TW" altLang="en-US" dirty="0" smtClean="0"/>
-              <a:t>格的排版 </a:t>
-            </a:r>
-            <a:r>
-              <a:rPr lang="en-US" altLang="zh-TW" dirty="0" smtClean="0"/>
-              <a:t>row</a:t>
+            <a:r>
+              <a:rPr lang="en-US" altLang="zh-TW" dirty="0" smtClean="0"/>
+              <a:t>Grid System</a:t>
             </a:r>
             <a:endParaRPr lang="zh-TW" altLang="en-US" dirty="0"/>
           </a:p>
         </p:txBody>
       </p:sp>
+      <p:pic>
+        <p:nvPicPr>
+          <p:cNvPr id="1026" name="Picture 2"/>
+          <p:cNvPicPr>
+            <a:picLocks noChangeAspect="1" noChangeArrowheads="1"/>
+          </p:cNvPicPr>
+          <p:nvPr/>
+        </p:nvPicPr>
+        <p:blipFill>
+          <a:blip r:embed="rId2" cstate="print"/>
+          <a:srcRect/>
+          <a:stretch>
+            <a:fillRect/>
+          </a:stretch>
+        </p:blipFill>
+        <p:spPr bwMode="auto">
+          <a:xfrm>
+            <a:off x="467544" y="1844824"/>
+            <a:ext cx="8293373" cy="3888432"/>
+          </a:xfrm>
+          <a:prstGeom prst="rect">
+            <a:avLst/>
+          </a:prstGeom>
+          <a:noFill/>
+          <a:ln w="9525">
+            <a:noFill/>
+            <a:miter lim="800000"/>
+            <a:headEnd/>
+            <a:tailEnd/>
+          </a:ln>
+        </p:spPr>
+      </p:pic>
     </p:spTree>
   </p:cSld>
   <p:clrMapOvr>
@@ -6073,11 +6205,7 @@
             </a:pPr>
             <a:r>
               <a:rPr lang="en-US" altLang="zh-TW" dirty="0" smtClean="0"/>
-              <a:t>&lt;</a:t>
-            </a:r>
-            <a:r>
-              <a:rPr lang="en-US" altLang="zh-TW" dirty="0" smtClean="0"/>
-              <a:t>table class="</a:t>
+              <a:t>&lt;div class=“</a:t>
             </a:r>
             <a:r>
               <a:rPr lang="en-US" altLang="zh-TW" b="1" dirty="0" smtClean="0">
@@ -6087,21 +6215,20 @@
                   </a:schemeClr>
                 </a:solidFill>
               </a:rPr>
-              <a:t>table</a:t>
-            </a:r>
-            <a:r>
-              <a:rPr lang="en-US" altLang="zh-TW" dirty="0" smtClean="0"/>
-              <a:t> </a:t>
-            </a:r>
-            <a:r>
-              <a:rPr lang="en-US" altLang="zh-TW" b="1" dirty="0" err="1" smtClean="0">
-                <a:solidFill>
-                  <a:schemeClr val="bg2">
-                    <a:lumMod val="50000"/>
-                  </a:schemeClr>
-                </a:solidFill>
-              </a:rPr>
-              <a:t>table</a:t>
+              <a:t>row</a:t>
+            </a:r>
+            <a:r>
+              <a:rPr lang="en-US" altLang="zh-TW" dirty="0" smtClean="0"/>
+              <a:t>"&gt;</a:t>
+            </a:r>
+          </a:p>
+          <a:p>
+            <a:pPr>
+              <a:buNone/>
+            </a:pPr>
+            <a:r>
+              <a:rPr lang="en-US" altLang="zh-TW" dirty="0" smtClean="0"/>
+              <a:t>	&lt;div class=“</a:t>
             </a:r>
             <a:r>
               <a:rPr lang="en-US" altLang="zh-TW" b="1" dirty="0" smtClean="0">
@@ -6111,11 +6238,66 @@
                   </a:schemeClr>
                 </a:solidFill>
               </a:rPr>
-              <a:t>-hover</a:t>
-            </a:r>
-            <a:r>
-              <a:rPr lang="en-US" altLang="zh-TW" dirty="0" smtClean="0"/>
-              <a:t>"&gt;</a:t>
+              <a:t>col-sm-4</a:t>
+            </a:r>
+            <a:r>
+              <a:rPr lang="en-US" altLang="zh-TW" dirty="0" smtClean="0"/>
+              <a:t>"&gt;&lt;/div&gt;</a:t>
+            </a:r>
+          </a:p>
+          <a:p>
+            <a:pPr>
+              <a:buNone/>
+            </a:pPr>
+            <a:r>
+              <a:rPr lang="en-US" altLang="zh-TW" dirty="0" smtClean="0"/>
+              <a:t>	&lt;div class=“</a:t>
+            </a:r>
+            <a:r>
+              <a:rPr lang="en-US" altLang="zh-TW" b="1" dirty="0" smtClean="0">
+                <a:solidFill>
+                  <a:schemeClr val="bg2">
+                    <a:lumMod val="50000"/>
+                  </a:schemeClr>
+                </a:solidFill>
+              </a:rPr>
+              <a:t>col-sm-4</a:t>
+            </a:r>
+            <a:r>
+              <a:rPr lang="en-US" altLang="zh-TW" dirty="0" smtClean="0"/>
+              <a:t>"&gt;&lt;/div&gt;</a:t>
+            </a:r>
+          </a:p>
+          <a:p>
+            <a:pPr>
+              <a:buNone/>
+            </a:pPr>
+            <a:r>
+              <a:rPr lang="en-US" altLang="zh-TW" dirty="0" smtClean="0"/>
+              <a:t>	&lt;div class=“</a:t>
+            </a:r>
+            <a:r>
+              <a:rPr lang="en-US" altLang="zh-TW" b="1" dirty="0" smtClean="0">
+                <a:solidFill>
+                  <a:schemeClr val="bg2">
+                    <a:lumMod val="50000"/>
+                  </a:schemeClr>
+                </a:solidFill>
+              </a:rPr>
+              <a:t>col-sm-4</a:t>
+            </a:r>
+            <a:r>
+              <a:rPr lang="en-US" altLang="zh-TW" dirty="0" smtClean="0"/>
+              <a:t>"&gt;&lt;/div&gt;</a:t>
+            </a:r>
+          </a:p>
+          <a:p>
+            <a:pPr>
+              <a:buNone/>
+            </a:pPr>
+            <a:r>
+              <a:rPr lang="en-US" altLang="zh-TW" dirty="0" smtClean="0"/>
+              <a:t>&lt;/div&gt;</a:t>
             </a:r>
           </a:p>
           <a:p>
@@ -6143,12 +6325,52 @@
           <a:p>
             <a:r>
               <a:rPr lang="en-US" altLang="zh-TW" dirty="0" smtClean="0"/>
-              <a:t>Bootstrap Table</a:t>
+              <a:t>Bootstrap 12 </a:t>
+            </a:r>
+            <a:r>
+              <a:rPr lang="zh-TW" altLang="en-US" dirty="0" smtClean="0"/>
+              <a:t>格</a:t>
+            </a:r>
+            <a:r>
+              <a:rPr lang="zh-TW" altLang="en-US" dirty="0" smtClean="0"/>
+              <a:t>系統</a:t>
             </a:r>
             <a:endParaRPr lang="zh-TW" altLang="en-US" dirty="0"/>
           </a:p>
         </p:txBody>
       </p:sp>
+      <p:pic>
+        <p:nvPicPr>
+          <p:cNvPr id="2050" name="Picture 2"/>
+          <p:cNvPicPr>
+            <a:picLocks noChangeAspect="1" noChangeArrowheads="1"/>
+          </p:cNvPicPr>
+          <p:nvPr/>
+        </p:nvPicPr>
+        <p:blipFill>
+          <a:blip r:embed="rId2" cstate="print"/>
+          <a:srcRect/>
+          <a:stretch>
+            <a:fillRect/>
+          </a:stretch>
+        </p:blipFill>
+        <p:spPr bwMode="auto">
+          <a:xfrm>
+            <a:off x="467544" y="4005064"/>
+            <a:ext cx="8410575" cy="2305050"/>
+          </a:xfrm>
+          <a:prstGeom prst="rect">
+            <a:avLst/>
+          </a:prstGeom>
+          <a:noFill/>
+          <a:ln w="9525">
+            <a:noFill/>
+            <a:miter lim="800000"/>
+            <a:headEnd/>
+            <a:tailEnd/>
+          </a:ln>
+        </p:spPr>
+      </p:pic>
     </p:spTree>
   </p:cSld>
   <p:clrMapOvr>
@@ -6189,32 +6411,23 @@
           <a:bodyPr/>
           <a:lstStyle/>
           <a:p>
-            <a:pPr>
-              <a:buNone/>
-            </a:pPr>
-            <a:r>
-              <a:rPr lang="zh-TW" altLang="en-US" dirty="0" smtClean="0"/>
-              <a:t>二種方式</a:t>
-            </a:r>
-            <a:endParaRPr lang="en-US" altLang="zh-TW" dirty="0" smtClean="0"/>
-          </a:p>
-          <a:p>
-            <a:pPr>
-              <a:buNone/>
-            </a:pPr>
-            <a:endParaRPr lang="en-US" altLang="zh-TW" dirty="0" smtClean="0"/>
-          </a:p>
-          <a:p>
-            <a:pPr>
-              <a:buNone/>
-            </a:pPr>
-            <a:r>
-              <a:rPr lang="en-US" altLang="zh-TW" dirty="0" smtClean="0"/>
-              <a:t>&lt;</a:t>
-            </a:r>
-            <a:r>
-              <a:rPr lang="en-US" altLang="zh-TW" dirty="0" smtClean="0"/>
-              <a:t>a class="</a:t>
+            <a:r>
+              <a:rPr lang="en-US" altLang="zh-TW" dirty="0" smtClean="0"/>
+              <a:t>&lt;table class="</a:t>
+            </a:r>
+            <a:r>
+              <a:rPr lang="en-US" altLang="zh-TW" b="1" dirty="0" smtClean="0">
+                <a:solidFill>
+                  <a:schemeClr val="bg2">
+                    <a:lumMod val="50000"/>
+                  </a:schemeClr>
+                </a:solidFill>
+              </a:rPr>
+              <a:t>table</a:t>
+            </a:r>
+            <a:r>
+              <a:rPr lang="en-US" altLang="zh-TW" dirty="0" smtClean="0"/>
+              <a:t> </a:t>
             </a:r>
             <a:r>
               <a:rPr lang="en-US" altLang="zh-TW" b="1" dirty="0" err="1" smtClean="0">
@@ -6224,27 +6437,7 @@
                   </a:schemeClr>
                 </a:solidFill>
               </a:rPr>
-              <a:t>btn</a:t>
-            </a:r>
-            <a:r>
-              <a:rPr lang="en-US" altLang="zh-TW" dirty="0" smtClean="0">
-                <a:solidFill>
-                  <a:schemeClr val="bg2">
-                    <a:lumMod val="50000"/>
-                  </a:schemeClr>
-                </a:solidFill>
-              </a:rPr>
-              <a:t> </a:t>
-            </a:r>
-            <a:r>
-              <a:rPr lang="en-US" altLang="zh-TW" b="1" dirty="0" err="1" smtClean="0">
-                <a:solidFill>
-                  <a:schemeClr val="bg2">
-                    <a:lumMod val="50000"/>
-                  </a:schemeClr>
-                </a:solidFill>
-              </a:rPr>
-              <a:t>btn</a:t>
+              <a:t>table</a:t>
             </a:r>
             <a:r>
               <a:rPr lang="en-US" altLang="zh-TW" b="1" dirty="0" smtClean="0">
@@ -6254,23 +6447,11 @@
                   </a:schemeClr>
                 </a:solidFill>
               </a:rPr>
-              <a:t>-primary</a:t>
-            </a:r>
-            <a:r>
-              <a:rPr lang="en-US" altLang="zh-TW" dirty="0" smtClean="0"/>
-              <a:t>" </a:t>
-            </a:r>
-            <a:r>
-              <a:rPr lang="en-US" altLang="zh-TW" dirty="0" err="1" smtClean="0"/>
-              <a:t>href</a:t>
-            </a:r>
-            <a:r>
-              <a:rPr lang="en-US" altLang="zh-TW" dirty="0" smtClean="0"/>
-              <a:t>="form.html"&gt;Form Page&lt;/a</a:t>
-            </a:r>
-            <a:r>
-              <a:rPr lang="en-US" altLang="zh-TW" dirty="0" smtClean="0"/>
-              <a:t>&gt;</a:t>
+              <a:t>-hover</a:t>
+            </a:r>
+            <a:r>
+              <a:rPr lang="en-US" altLang="zh-TW" dirty="0" smtClean="0"/>
+              <a:t>"&gt;</a:t>
             </a:r>
           </a:p>
           <a:p>
@@ -6280,42 +6461,33 @@
             <a:endParaRPr lang="en-US" altLang="zh-TW" dirty="0" smtClean="0"/>
           </a:p>
           <a:p>
-            <a:pPr>
-              <a:buNone/>
-            </a:pPr>
-            <a:r>
-              <a:rPr lang="en-US" altLang="zh-TW" dirty="0" smtClean="0"/>
-              <a:t>&lt;input type=“button" class="</a:t>
-            </a:r>
-            <a:r>
-              <a:rPr lang="en-US" altLang="zh-TW" b="1" dirty="0" err="1" smtClean="0">
-                <a:solidFill>
-                  <a:schemeClr val="bg2">
-                    <a:lumMod val="50000"/>
-                  </a:schemeClr>
-                </a:solidFill>
-              </a:rPr>
-              <a:t>btn</a:t>
-            </a:r>
-            <a:r>
-              <a:rPr lang="en-US" altLang="zh-TW" dirty="0" smtClean="0">
-                <a:solidFill>
-                  <a:schemeClr val="bg2">
-                    <a:lumMod val="50000"/>
-                  </a:schemeClr>
-                </a:solidFill>
-              </a:rPr>
-              <a:t> </a:t>
-            </a:r>
-            <a:r>
-              <a:rPr lang="en-US" altLang="zh-TW" b="1" dirty="0" err="1" smtClean="0">
-                <a:solidFill>
-                  <a:schemeClr val="bg2">
-                    <a:lumMod val="50000"/>
-                  </a:schemeClr>
-                </a:solidFill>
-              </a:rPr>
-              <a:t>btn</a:t>
+            <a:r>
+              <a:rPr lang="zh-TW" altLang="en-US" dirty="0" smtClean="0"/>
+              <a:t>調整 </a:t>
+            </a:r>
+            <a:r>
+              <a:rPr lang="en-US" altLang="zh-TW" dirty="0" smtClean="0"/>
+              <a:t>table column </a:t>
+            </a:r>
+            <a:r>
+              <a:rPr lang="zh-TW" altLang="en-US" dirty="0" smtClean="0"/>
+              <a:t>的寛度</a:t>
+            </a:r>
+            <a:endParaRPr lang="en-US" altLang="zh-TW" dirty="0" smtClean="0"/>
+          </a:p>
+          <a:p>
+            <a:pPr lvl="1"/>
+            <a:r>
+              <a:rPr lang="en-US" altLang="zh-TW" dirty="0" smtClean="0"/>
+              <a:t>&lt;</a:t>
+            </a:r>
+            <a:r>
+              <a:rPr lang="en-US" altLang="zh-TW" dirty="0" err="1" smtClean="0"/>
+              <a:t>th</a:t>
+            </a:r>
+            <a:r>
+              <a:rPr lang="en-US" altLang="zh-TW" dirty="0" smtClean="0"/>
+              <a:t> class=“</a:t>
             </a:r>
             <a:r>
               <a:rPr lang="en-US" altLang="zh-TW" b="1" dirty="0" smtClean="0">
@@ -6325,44 +6497,12 @@
                   </a:schemeClr>
                 </a:solidFill>
               </a:rPr>
-              <a:t>-primary</a:t>
-            </a:r>
-            <a:r>
-              <a:rPr lang="en-US" altLang="zh-TW" dirty="0" smtClean="0"/>
-              <a:t>" </a:t>
-            </a:r>
-            <a:r>
-              <a:rPr lang="en-US" altLang="zh-TW" dirty="0" err="1" smtClean="0"/>
-              <a:t>href</a:t>
-            </a:r>
-            <a:r>
-              <a:rPr lang="en-US" altLang="zh-TW" dirty="0" smtClean="0"/>
-              <a:t>="</a:t>
-            </a:r>
-            <a:r>
-              <a:rPr lang="en-US" altLang="zh-TW" dirty="0" smtClean="0"/>
-              <a:t>form.html“ name="</a:t>
-            </a:r>
-            <a:r>
-              <a:rPr lang="en-US" altLang="zh-TW" dirty="0" smtClean="0"/>
-              <a:t> Form Page </a:t>
+              <a:t>col-sm-2</a:t>
             </a:r>
             <a:r>
               <a:rPr lang="en-US" altLang="zh-TW" dirty="0" smtClean="0"/>
               <a:t>"&gt;</a:t>
             </a:r>
-            <a:endParaRPr lang="en-US" altLang="zh-TW" dirty="0" smtClean="0"/>
-          </a:p>
-          <a:p>
-            <a:pPr>
-              <a:buNone/>
-            </a:pPr>
-            <a:endParaRPr lang="en-US" altLang="zh-TW" dirty="0" smtClean="0"/>
-          </a:p>
-          <a:p>
-            <a:pPr>
-              <a:buNone/>
-            </a:pPr>
             <a:endParaRPr lang="en-US" altLang="zh-TW" dirty="0" smtClean="0"/>
           </a:p>
         </p:txBody>
@@ -6384,7 +6524,7 @@
           <a:p>
             <a:r>
               <a:rPr lang="en-US" altLang="zh-TW" dirty="0" smtClean="0"/>
-              <a:t>Bootstrap Button</a:t>
+              <a:t>Bootstrap Table</a:t>
             </a:r>
             <a:endParaRPr lang="zh-TW" altLang="en-US" dirty="0"/>
           </a:p>
@@ -6427,22 +6567,15 @@
         </p:nvSpPr>
         <p:spPr/>
         <p:txBody>
-          <a:bodyPr>
-            <a:normAutofit fontScale="92500" lnSpcReduction="10000"/>
-          </a:bodyPr>
+          <a:bodyPr/>
           <a:lstStyle/>
           <a:p>
-            <a:r>
-              <a:rPr lang="en-US" altLang="zh-TW" dirty="0" smtClean="0">
-                <a:hlinkClick r:id="rId2"/>
-              </a:rPr>
-              <a:t>http://getbootstrap.com/css</a:t>
-            </a:r>
-            <a:r>
-              <a:rPr lang="en-US" altLang="zh-TW" dirty="0" smtClean="0">
-                <a:hlinkClick r:id="rId2"/>
-              </a:rPr>
-              <a:t>/</a:t>
+            <a:pPr>
+              <a:buNone/>
+            </a:pPr>
+            <a:r>
+              <a:rPr lang="zh-TW" altLang="en-US" dirty="0" smtClean="0"/>
+              <a:t>二種方式</a:t>
             </a:r>
             <a:endParaRPr lang="en-US" altLang="zh-TW" dirty="0" smtClean="0"/>
           </a:p>
@@ -6457,18 +6590,18 @@
               <a:buNone/>
             </a:pPr>
             <a:r>
-              <a:rPr lang="zh-TW" altLang="en-US" dirty="0" smtClean="0"/>
-              <a:t>只要加上</a:t>
-            </a:r>
-            <a:endParaRPr lang="en-US" altLang="zh-TW" dirty="0" smtClean="0"/>
-          </a:p>
-          <a:p>
-            <a:pPr>
-              <a:buNone/>
-            </a:pPr>
-            <a:r>
-              <a:rPr lang="en-US" altLang="zh-TW" dirty="0" smtClean="0"/>
-              <a:t>&lt;meta name="viewport" content="width=</a:t>
+              <a:rPr lang="en-US" altLang="zh-TW" dirty="0" smtClean="0"/>
+              <a:t>&lt;a class="</a:t>
+            </a:r>
+            <a:r>
+              <a:rPr lang="en-US" altLang="zh-TW" b="1" dirty="0" err="1" smtClean="0">
+                <a:solidFill>
+                  <a:schemeClr val="bg2">
+                    <a:lumMod val="50000"/>
+                  </a:schemeClr>
+                </a:solidFill>
+              </a:rPr>
+              <a:t>btn</a:t>
             </a:r>
             <a:r>
               <a:rPr lang="en-US" altLang="zh-TW" dirty="0" smtClean="0">
@@ -6478,11 +6611,64 @@
                   </a:schemeClr>
                 </a:solidFill>
               </a:rPr>
-              <a:t>device-width</a:t>
-            </a:r>
-            <a:r>
-              <a:rPr lang="en-US" altLang="zh-TW" dirty="0" smtClean="0"/>
-              <a:t>, initial-scale=</a:t>
+              <a:t> </a:t>
+            </a:r>
+            <a:r>
+              <a:rPr lang="en-US" altLang="zh-TW" b="1" dirty="0" err="1" smtClean="0">
+                <a:solidFill>
+                  <a:schemeClr val="bg2">
+                    <a:lumMod val="50000"/>
+                  </a:schemeClr>
+                </a:solidFill>
+              </a:rPr>
+              <a:t>btn</a:t>
+            </a:r>
+            <a:r>
+              <a:rPr lang="en-US" altLang="zh-TW" b="1" dirty="0" smtClean="0">
+                <a:solidFill>
+                  <a:schemeClr val="bg2">
+                    <a:lumMod val="50000"/>
+                  </a:schemeClr>
+                </a:solidFill>
+              </a:rPr>
+              <a:t>-primary</a:t>
+            </a:r>
+            <a:r>
+              <a:rPr lang="en-US" altLang="zh-TW" dirty="0" smtClean="0"/>
+              <a:t>" </a:t>
+            </a:r>
+            <a:r>
+              <a:rPr lang="en-US" altLang="zh-TW" dirty="0" err="1" smtClean="0"/>
+              <a:t>href</a:t>
+            </a:r>
+            <a:r>
+              <a:rPr lang="en-US" altLang="zh-TW" dirty="0" smtClean="0"/>
+              <a:t>="form.html"&gt;Form Page&lt;/a&gt;</a:t>
+            </a:r>
+          </a:p>
+          <a:p>
+            <a:pPr>
+              <a:buNone/>
+            </a:pPr>
+            <a:endParaRPr lang="en-US" altLang="zh-TW" dirty="0" smtClean="0"/>
+          </a:p>
+          <a:p>
+            <a:pPr>
+              <a:buNone/>
+            </a:pPr>
+            <a:r>
+              <a:rPr lang="en-US" altLang="zh-TW" dirty="0" smtClean="0"/>
+              <a:t>&lt;input type=“button" class="</a:t>
+            </a:r>
+            <a:r>
+              <a:rPr lang="en-US" altLang="zh-TW" b="1" dirty="0" err="1" smtClean="0">
+                <a:solidFill>
+                  <a:schemeClr val="bg2">
+                    <a:lumMod val="50000"/>
+                  </a:schemeClr>
+                </a:solidFill>
+              </a:rPr>
+              <a:t>btn</a:t>
             </a:r>
             <a:r>
               <a:rPr lang="en-US" altLang="zh-TW" dirty="0" smtClean="0">
@@ -6492,81 +6678,52 @@
                   </a:schemeClr>
                 </a:solidFill>
               </a:rPr>
-              <a:t>1</a:t>
-            </a:r>
-            <a:r>
-              <a:rPr lang="en-US" altLang="zh-TW" dirty="0" smtClean="0"/>
-              <a:t>"&gt;</a:t>
+              <a:t> </a:t>
+            </a:r>
+            <a:r>
+              <a:rPr lang="en-US" altLang="zh-TW" b="1" dirty="0" err="1" smtClean="0">
+                <a:solidFill>
+                  <a:schemeClr val="bg2">
+                    <a:lumMod val="50000"/>
+                  </a:schemeClr>
+                </a:solidFill>
+              </a:rPr>
+              <a:t>btn</a:t>
+            </a:r>
+            <a:r>
+              <a:rPr lang="en-US" altLang="zh-TW" b="1" dirty="0" smtClean="0">
+                <a:solidFill>
+                  <a:schemeClr val="bg2">
+                    <a:lumMod val="50000"/>
+                  </a:schemeClr>
+                </a:solidFill>
+              </a:rPr>
+              <a:t>-primary</a:t>
+            </a:r>
+            <a:r>
+              <a:rPr lang="en-US" altLang="zh-TW" dirty="0" smtClean="0"/>
+              <a:t>" </a:t>
+            </a:r>
+            <a:r>
+              <a:rPr lang="en-US" altLang="zh-TW" dirty="0" err="1" smtClean="0"/>
+              <a:t>href</a:t>
+            </a:r>
+            <a:r>
+              <a:rPr lang="en-US" altLang="zh-TW" dirty="0" smtClean="0"/>
+              <a:t>="form.html“ name=" Form Page "&gt;</a:t>
             </a:r>
           </a:p>
           <a:p>
             <a:pPr>
               <a:buNone/>
             </a:pPr>
-            <a:endParaRPr lang="en-US" altLang="zh-TW" dirty="0" smtClean="0">
-              <a:hlinkClick r:id="rId2"/>
-            </a:endParaRPr>
+            <a:endParaRPr lang="en-US" altLang="zh-TW" dirty="0" smtClean="0"/>
           </a:p>
           <a:p>
             <a:pPr>
               <a:buNone/>
             </a:pPr>
-            <a:r>
-              <a:rPr lang="en-US" altLang="zh-TW" dirty="0" smtClean="0"/>
-              <a:t>Apple </a:t>
-            </a:r>
-            <a:r>
-              <a:rPr lang="zh-TW" altLang="en-US" dirty="0" smtClean="0"/>
-              <a:t>針對 </a:t>
-            </a:r>
-            <a:r>
-              <a:rPr lang="en-US" altLang="zh-TW" dirty="0" smtClean="0"/>
-              <a:t>Viewport </a:t>
-            </a:r>
-            <a:r>
-              <a:rPr lang="zh-TW" altLang="en-US" dirty="0" smtClean="0"/>
-              <a:t>的說明 </a:t>
-            </a:r>
-            <a:r>
-              <a:rPr lang="en-US" altLang="zh-TW" dirty="0" smtClean="0"/>
-              <a:t>(</a:t>
-            </a:r>
-            <a:r>
-              <a:rPr lang="zh-TW" altLang="en-US" dirty="0" smtClean="0"/>
-              <a:t>很詳細很長</a:t>
-            </a:r>
-            <a:r>
-              <a:rPr lang="en-US" altLang="zh-TW" dirty="0" smtClean="0"/>
-              <a:t>)</a:t>
-            </a:r>
-            <a:endParaRPr lang="en-US" altLang="zh-TW" dirty="0" smtClean="0">
-              <a:hlinkClick r:id="rId2"/>
-            </a:endParaRPr>
-          </a:p>
-          <a:p>
-            <a:r>
-              <a:rPr lang="en-US" altLang="zh-TW" dirty="0" smtClean="0">
-                <a:hlinkClick r:id="rId2"/>
-              </a:rPr>
-              <a:t>https</a:t>
-            </a:r>
-            <a:r>
-              <a:rPr lang="en-US" altLang="zh-TW" dirty="0" smtClean="0">
-                <a:hlinkClick r:id="rId2"/>
-              </a:rPr>
-              <a:t>://</a:t>
-            </a:r>
-            <a:r>
-              <a:rPr lang="en-US" altLang="zh-TW" dirty="0" smtClean="0">
-                <a:hlinkClick r:id="rId2"/>
-              </a:rPr>
-              <a:t>developer.apple.com/library/safari/documentation/AppleApplications/Reference/SafariWebContent/UsingtheViewport/UsingtheViewport.html</a:t>
-            </a:r>
-          </a:p>
-          <a:p>
-            <a:endParaRPr lang="zh-TW" altLang="en-US" dirty="0" smtClean="0">
-              <a:hlinkClick r:id="rId2"/>
-            </a:endParaRPr>
+            <a:endParaRPr lang="en-US" altLang="zh-TW" dirty="0" smtClean="0"/>
           </a:p>
         </p:txBody>
       </p:sp>
@@ -6587,7 +6744,7 @@
           <a:p>
             <a:r>
               <a:rPr lang="en-US" altLang="zh-TW" dirty="0" smtClean="0"/>
-              <a:t>Viewport</a:t>
+              <a:t>Bootstrap Button</a:t>
             </a:r>
             <a:endParaRPr lang="zh-TW" altLang="en-US" dirty="0"/>
           </a:p>
